--- a/meetings/2016-10-04/2016-10-04.pptx
+++ b/meetings/2016-10-04/2016-10-04.pptx
@@ -36,6 +36,16 @@
     <p:sldId id="285" r:id="rId30"/>
     <p:sldId id="286" r:id="rId31"/>
     <p:sldId id="287" r:id="rId32"/>
+    <p:sldId id="290" r:id="rId33"/>
+    <p:sldId id="288" r:id="rId34"/>
+    <p:sldId id="289" r:id="rId35"/>
+    <p:sldId id="291" r:id="rId36"/>
+    <p:sldId id="292" r:id="rId37"/>
+    <p:sldId id="293" r:id="rId38"/>
+    <p:sldId id="294" r:id="rId39"/>
+    <p:sldId id="295" r:id="rId40"/>
+    <p:sldId id="296" r:id="rId41"/>
+    <p:sldId id="297" r:id="rId42"/>
   </p:sldIdLst>
   <p:sldSz cx="12192000" cy="6858000"/>
   <p:notesSz cx="6858000" cy="9144000"/>
@@ -327,7 +337,7 @@
           <a:p>
             <a:fld id="{B8F2B45D-32C0-47AA-8E29-B17361DF9352}" type="datetimeFigureOut">
               <a:rPr lang="en-US" smtClean="0"/>
-              <a:t>10/3/2016</a:t>
+              <a:t>10/4/2016</a:t>
             </a:fld>
             <a:endParaRPr lang="en-US"/>
           </a:p>
@@ -625,7 +635,7 @@
           <a:p>
             <a:fld id="{B8F2B45D-32C0-47AA-8E29-B17361DF9352}" type="datetimeFigureOut">
               <a:rPr lang="en-US" smtClean="0"/>
-              <a:t>10/3/2016</a:t>
+              <a:t>10/4/2016</a:t>
             </a:fld>
             <a:endParaRPr lang="en-US"/>
           </a:p>
@@ -817,7 +827,7 @@
           <a:p>
             <a:fld id="{B8F2B45D-32C0-47AA-8E29-B17361DF9352}" type="datetimeFigureOut">
               <a:rPr lang="en-US" smtClean="0"/>
-              <a:t>10/3/2016</a:t>
+              <a:t>10/4/2016</a:t>
             </a:fld>
             <a:endParaRPr lang="en-US"/>
           </a:p>
@@ -1078,7 +1088,7 @@
           <a:p>
             <a:fld id="{B8F2B45D-32C0-47AA-8E29-B17361DF9352}" type="datetimeFigureOut">
               <a:rPr lang="en-US" smtClean="0"/>
-              <a:t>10/3/2016</a:t>
+              <a:t>10/4/2016</a:t>
             </a:fld>
             <a:endParaRPr lang="en-US"/>
           </a:p>
@@ -1502,7 +1512,7 @@
           <a:p>
             <a:fld id="{B8F2B45D-32C0-47AA-8E29-B17361DF9352}" type="datetimeFigureOut">
               <a:rPr lang="en-US" smtClean="0"/>
-              <a:t>10/3/2016</a:t>
+              <a:t>10/4/2016</a:t>
             </a:fld>
             <a:endParaRPr lang="en-US"/>
           </a:p>
@@ -2039,7 +2049,7 @@
           <a:p>
             <a:fld id="{B8F2B45D-32C0-47AA-8E29-B17361DF9352}" type="datetimeFigureOut">
               <a:rPr lang="en-US" smtClean="0"/>
-              <a:t>10/3/2016</a:t>
+              <a:t>10/4/2016</a:t>
             </a:fld>
             <a:endParaRPr lang="en-US"/>
           </a:p>
@@ -2903,7 +2913,7 @@
           <a:p>
             <a:fld id="{B8F2B45D-32C0-47AA-8E29-B17361DF9352}" type="datetimeFigureOut">
               <a:rPr lang="en-US" smtClean="0"/>
-              <a:t>10/3/2016</a:t>
+              <a:t>10/4/2016</a:t>
             </a:fld>
             <a:endParaRPr lang="en-US"/>
           </a:p>
@@ -3073,7 +3083,7 @@
           <a:p>
             <a:fld id="{B8F2B45D-32C0-47AA-8E29-B17361DF9352}" type="datetimeFigureOut">
               <a:rPr lang="en-US" smtClean="0"/>
-              <a:t>10/3/2016</a:t>
+              <a:t>10/4/2016</a:t>
             </a:fld>
             <a:endParaRPr lang="en-US"/>
           </a:p>
@@ -3257,7 +3267,7 @@
           <a:p>
             <a:fld id="{B8F2B45D-32C0-47AA-8E29-B17361DF9352}" type="datetimeFigureOut">
               <a:rPr lang="en-US" smtClean="0"/>
-              <a:t>10/3/2016</a:t>
+              <a:t>10/4/2016</a:t>
             </a:fld>
             <a:endParaRPr lang="en-US"/>
           </a:p>
@@ -3427,7 +3437,7 @@
           <a:p>
             <a:fld id="{B8F2B45D-32C0-47AA-8E29-B17361DF9352}" type="datetimeFigureOut">
               <a:rPr lang="en-US" smtClean="0"/>
-              <a:t>10/3/2016</a:t>
+              <a:t>10/4/2016</a:t>
             </a:fld>
             <a:endParaRPr lang="en-US"/>
           </a:p>
@@ -3671,7 +3681,7 @@
           <a:p>
             <a:fld id="{B8F2B45D-32C0-47AA-8E29-B17361DF9352}" type="datetimeFigureOut">
               <a:rPr lang="en-US" smtClean="0"/>
-              <a:t>10/3/2016</a:t>
+              <a:t>10/4/2016</a:t>
             </a:fld>
             <a:endParaRPr lang="en-US"/>
           </a:p>
@@ -3907,7 +3917,7 @@
           <a:p>
             <a:fld id="{B8F2B45D-32C0-47AA-8E29-B17361DF9352}" type="datetimeFigureOut">
               <a:rPr lang="en-US" smtClean="0"/>
-              <a:t>10/3/2016</a:t>
+              <a:t>10/4/2016</a:t>
             </a:fld>
             <a:endParaRPr lang="en-US"/>
           </a:p>
@@ -4373,7 +4383,7 @@
           <a:p>
             <a:fld id="{B8F2B45D-32C0-47AA-8E29-B17361DF9352}" type="datetimeFigureOut">
               <a:rPr lang="en-US" smtClean="0"/>
-              <a:t>10/3/2016</a:t>
+              <a:t>10/4/2016</a:t>
             </a:fld>
             <a:endParaRPr lang="en-US"/>
           </a:p>
@@ -4491,7 +4501,7 @@
           <a:p>
             <a:fld id="{B8F2B45D-32C0-47AA-8E29-B17361DF9352}" type="datetimeFigureOut">
               <a:rPr lang="en-US" smtClean="0"/>
-              <a:t>10/3/2016</a:t>
+              <a:t>10/4/2016</a:t>
             </a:fld>
             <a:endParaRPr lang="en-US"/>
           </a:p>
@@ -4586,7 +4596,7 @@
           <a:p>
             <a:fld id="{B8F2B45D-32C0-47AA-8E29-B17361DF9352}" type="datetimeFigureOut">
               <a:rPr lang="en-US" smtClean="0"/>
-              <a:t>10/3/2016</a:t>
+              <a:t>10/4/2016</a:t>
             </a:fld>
             <a:endParaRPr lang="en-US"/>
           </a:p>
@@ -4841,7 +4851,7 @@
           <a:p>
             <a:fld id="{B8F2B45D-32C0-47AA-8E29-B17361DF9352}" type="datetimeFigureOut">
               <a:rPr lang="en-US" smtClean="0"/>
-              <a:t>10/3/2016</a:t>
+              <a:t>10/4/2016</a:t>
             </a:fld>
             <a:endParaRPr lang="en-US"/>
           </a:p>
@@ -5141,7 +5151,7 @@
           <a:p>
             <a:fld id="{B8F2B45D-32C0-47AA-8E29-B17361DF9352}" type="datetimeFigureOut">
               <a:rPr lang="en-US" smtClean="0"/>
-              <a:t>10/3/2016</a:t>
+              <a:t>10/4/2016</a:t>
             </a:fld>
             <a:endParaRPr lang="en-US"/>
           </a:p>
@@ -5375,7 +5385,7 @@
           <a:p>
             <a:fld id="{B8F2B45D-32C0-47AA-8E29-B17361DF9352}" type="datetimeFigureOut">
               <a:rPr lang="en-US" smtClean="0"/>
-              <a:t>10/3/2016</a:t>
+              <a:t>10/4/2016</a:t>
             </a:fld>
             <a:endParaRPr lang="en-US"/>
           </a:p>
@@ -9091,7 +9101,58 @@
           <a:bodyPr/>
           <a:lstStyle/>
           <a:p>
-            <a:endParaRPr lang="en-US" dirty="0"/>
+            <a:r>
+              <a:rPr lang="en-US" dirty="0"/>
+              <a:t>Manifest all of your accumulated security skills in a competitive environment!</a:t>
+            </a:r>
+          </a:p>
+          <a:p>
+            <a:r>
+              <a:rPr lang="en-US" dirty="0"/>
+              <a:t>Tests a wide range of topics, including but not limited to:</a:t>
+            </a:r>
+          </a:p>
+          <a:p>
+            <a:pPr lvl="1"/>
+            <a:r>
+              <a:rPr lang="en-US" dirty="0"/>
+              <a:t>Forensics</a:t>
+            </a:r>
+          </a:p>
+          <a:p>
+            <a:pPr lvl="1"/>
+            <a:r>
+              <a:rPr lang="en-US" dirty="0"/>
+              <a:t>Cryptography</a:t>
+            </a:r>
+          </a:p>
+          <a:p>
+            <a:pPr lvl="1"/>
+            <a:r>
+              <a:rPr lang="en-US" dirty="0"/>
+              <a:t>Reverse Engineering</a:t>
+            </a:r>
+          </a:p>
+          <a:p>
+            <a:pPr lvl="1"/>
+            <a:r>
+              <a:rPr lang="en-US" dirty="0"/>
+              <a:t>Binary Exploitation</a:t>
+            </a:r>
+          </a:p>
+          <a:p>
+            <a:pPr lvl="1"/>
+            <a:r>
+              <a:rPr lang="en-US" dirty="0"/>
+              <a:t>Web Exploitation</a:t>
+            </a:r>
+          </a:p>
+          <a:p>
+            <a:pPr lvl="1"/>
+            <a:r>
+              <a:rPr lang="en-US" dirty="0"/>
+              <a:t>Misc. Trivia!</a:t>
+            </a:r>
           </a:p>
         </p:txBody>
       </p:sp>
@@ -9099,6 +9160,1239 @@
     <p:extLst>
       <p:ext uri="{BB962C8B-B14F-4D97-AF65-F5344CB8AC3E}">
         <p14:creationId xmlns:p14="http://schemas.microsoft.com/office/powerpoint/2010/main" val="622368638"/>
+      </p:ext>
+    </p:extLst>
+  </p:cSld>
+  <p:clrMapOvr>
+    <a:masterClrMapping/>
+  </p:clrMapOvr>
+</p:sld>
+</file>
+
+<file path=ppt/slides/slide32.xml><?xml version="1.0" encoding="utf-8"?>
+<p:sld xmlns:a="http://schemas.openxmlformats.org/drawingml/2006/main" xmlns:r="http://schemas.openxmlformats.org/officeDocument/2006/relationships" xmlns:p="http://schemas.openxmlformats.org/presentationml/2006/main">
+  <p:cSld>
+    <p:spTree>
+      <p:nvGrpSpPr>
+        <p:cNvPr id="1" name=""/>
+        <p:cNvGrpSpPr/>
+        <p:nvPr/>
+      </p:nvGrpSpPr>
+      <p:grpSpPr>
+        <a:xfrm>
+          <a:off x="0" y="0"/>
+          <a:ext cx="0" cy="0"/>
+          <a:chOff x="0" y="0"/>
+          <a:chExt cx="0" cy="0"/>
+        </a:xfrm>
+      </p:grpSpPr>
+      <p:sp>
+        <p:nvSpPr>
+          <p:cNvPr id="2" name="Title 1"/>
+          <p:cNvSpPr>
+            <a:spLocks noGrp="1"/>
+          </p:cNvSpPr>
+          <p:nvPr>
+            <p:ph type="title"/>
+          </p:nvPr>
+        </p:nvSpPr>
+        <p:spPr/>
+        <p:txBody>
+          <a:bodyPr/>
+          <a:lstStyle/>
+          <a:p>
+            <a:pPr algn="l"/>
+            <a:r>
+              <a:rPr lang="en-US" dirty="0" err="1"/>
+              <a:t>CTF</a:t>
+            </a:r>
+            <a:r>
+              <a:rPr lang="en-US" dirty="0"/>
+              <a:t> Basics</a:t>
+            </a:r>
+          </a:p>
+        </p:txBody>
+      </p:sp>
+      <p:sp>
+        <p:nvSpPr>
+          <p:cNvPr id="3" name="Content Placeholder 2"/>
+          <p:cNvSpPr>
+            <a:spLocks noGrp="1"/>
+          </p:cNvSpPr>
+          <p:nvPr>
+            <p:ph idx="1"/>
+          </p:nvPr>
+        </p:nvSpPr>
+        <p:spPr/>
+        <p:txBody>
+          <a:bodyPr/>
+          <a:lstStyle/>
+          <a:p>
+            <a:r>
+              <a:rPr lang="en-US" dirty="0"/>
+              <a:t>The focus areas that </a:t>
+            </a:r>
+            <a:r>
+              <a:rPr lang="en-US" dirty="0" err="1"/>
+              <a:t>CTF</a:t>
+            </a:r>
+            <a:r>
+              <a:rPr lang="en-US" dirty="0"/>
+              <a:t> competitions tend to measure are:</a:t>
+            </a:r>
+          </a:p>
+          <a:p>
+            <a:pPr lvl="1"/>
+            <a:r>
+              <a:rPr lang="en-US" dirty="0"/>
+              <a:t>vulnerability discovery</a:t>
+            </a:r>
+          </a:p>
+          <a:p>
+            <a:pPr lvl="1"/>
+            <a:r>
+              <a:rPr lang="en-US" dirty="0"/>
+              <a:t>exploit creation</a:t>
+            </a:r>
+          </a:p>
+          <a:p>
+            <a:pPr lvl="1"/>
+            <a:r>
+              <a:rPr lang="en-US" dirty="0"/>
+              <a:t>toolkit creation</a:t>
+            </a:r>
+          </a:p>
+          <a:p>
+            <a:pPr lvl="1"/>
+            <a:r>
+              <a:rPr lang="en-US" dirty="0"/>
+              <a:t>operational tradecraft</a:t>
+            </a:r>
+          </a:p>
+          <a:p>
+            <a:pPr lvl="1"/>
+            <a:r>
+              <a:rPr lang="en-US" dirty="0">
+                <a:hlinkClick r:id="rId2"/>
+              </a:rPr>
+              <a:t>https://trailofbits.github.io/ctf/</a:t>
+            </a:r>
+            <a:endParaRPr lang="en-US" dirty="0"/>
+          </a:p>
+        </p:txBody>
+      </p:sp>
+    </p:spTree>
+    <p:extLst>
+      <p:ext uri="{BB962C8B-B14F-4D97-AF65-F5344CB8AC3E}">
+        <p14:creationId xmlns:p14="http://schemas.microsoft.com/office/powerpoint/2010/main" val="1177387500"/>
+      </p:ext>
+    </p:extLst>
+  </p:cSld>
+  <p:clrMapOvr>
+    <a:masterClrMapping/>
+  </p:clrMapOvr>
+</p:sld>
+</file>
+
+<file path=ppt/slides/slide33.xml><?xml version="1.0" encoding="utf-8"?>
+<p:sld xmlns:a="http://schemas.openxmlformats.org/drawingml/2006/main" xmlns:r="http://schemas.openxmlformats.org/officeDocument/2006/relationships" xmlns:p="http://schemas.openxmlformats.org/presentationml/2006/main">
+  <p:cSld>
+    <p:spTree>
+      <p:nvGrpSpPr>
+        <p:cNvPr id="1" name=""/>
+        <p:cNvGrpSpPr/>
+        <p:nvPr/>
+      </p:nvGrpSpPr>
+      <p:grpSpPr>
+        <a:xfrm>
+          <a:off x="0" y="0"/>
+          <a:ext cx="0" cy="0"/>
+          <a:chOff x="0" y="0"/>
+          <a:chExt cx="0" cy="0"/>
+        </a:xfrm>
+      </p:grpSpPr>
+      <p:sp>
+        <p:nvSpPr>
+          <p:cNvPr id="2" name="Title 1"/>
+          <p:cNvSpPr>
+            <a:spLocks noGrp="1"/>
+          </p:cNvSpPr>
+          <p:nvPr>
+            <p:ph type="title"/>
+          </p:nvPr>
+        </p:nvSpPr>
+        <p:spPr/>
+        <p:txBody>
+          <a:bodyPr/>
+          <a:lstStyle/>
+          <a:p>
+            <a:pPr algn="l"/>
+            <a:r>
+              <a:rPr lang="en-US" dirty="0" err="1"/>
+              <a:t>CTF</a:t>
+            </a:r>
+            <a:r>
+              <a:rPr lang="en-US" dirty="0"/>
+              <a:t> Basics</a:t>
+            </a:r>
+          </a:p>
+        </p:txBody>
+      </p:sp>
+      <p:sp>
+        <p:nvSpPr>
+          <p:cNvPr id="3" name="Content Placeholder 2"/>
+          <p:cNvSpPr>
+            <a:spLocks noGrp="1"/>
+          </p:cNvSpPr>
+          <p:nvPr>
+            <p:ph idx="1"/>
+          </p:nvPr>
+        </p:nvSpPr>
+        <p:spPr/>
+        <p:txBody>
+          <a:bodyPr>
+            <a:normAutofit/>
+          </a:bodyPr>
+          <a:lstStyle/>
+          <a:p>
+            <a:r>
+              <a:rPr lang="en-US" sz="2400" dirty="0"/>
+              <a:t>2 different formats (really three):</a:t>
+            </a:r>
+          </a:p>
+          <a:p>
+            <a:r>
+              <a:rPr lang="en-US" sz="2400" dirty="0"/>
+              <a:t>Jeopardy Format (</a:t>
+            </a:r>
+            <a:r>
+              <a:rPr lang="en-US" sz="2400" dirty="0" err="1"/>
+              <a:t>DEFCON</a:t>
+            </a:r>
+            <a:r>
+              <a:rPr lang="en-US" sz="2400" dirty="0"/>
+              <a:t> </a:t>
+            </a:r>
+            <a:r>
+              <a:rPr lang="en-US" sz="2400" dirty="0" err="1"/>
+              <a:t>CTF</a:t>
+            </a:r>
+            <a:r>
+              <a:rPr lang="en-US" sz="2400" dirty="0"/>
+              <a:t> Qualifiers)</a:t>
+            </a:r>
+          </a:p>
+          <a:p>
+            <a:pPr lvl="1"/>
+            <a:r>
+              <a:rPr lang="en-US" sz="2000" dirty="0"/>
+              <a:t>Teams are completely isolated from each other</a:t>
+            </a:r>
+          </a:p>
+          <a:p>
+            <a:pPr lvl="1"/>
+            <a:r>
+              <a:rPr lang="en-US" sz="2000" dirty="0"/>
+              <a:t>Various categories of tasks</a:t>
+            </a:r>
+          </a:p>
+          <a:p>
+            <a:pPr lvl="2"/>
+            <a:r>
+              <a:rPr lang="en-US" sz="1800" dirty="0"/>
+              <a:t>Just like jeopardy!</a:t>
+            </a:r>
+          </a:p>
+          <a:p>
+            <a:pPr lvl="1"/>
+            <a:r>
+              <a:rPr lang="en-US" sz="2000" dirty="0"/>
+              <a:t>Teams are awarded points for completing tasks (capturing flags)</a:t>
+            </a:r>
+          </a:p>
+          <a:p>
+            <a:pPr lvl="1"/>
+            <a:r>
+              <a:rPr lang="en-US" sz="2000" dirty="0"/>
+              <a:t>Next flag is only opened after previous task has been completed (no jumping around)</a:t>
+            </a:r>
+          </a:p>
+          <a:p>
+            <a:pPr lvl="1"/>
+            <a:r>
+              <a:rPr lang="en-US" sz="2000" dirty="0"/>
+              <a:t>After a set amount of time, the points are tallied up and the team with the most points wins!</a:t>
+            </a:r>
+          </a:p>
+        </p:txBody>
+      </p:sp>
+    </p:spTree>
+    <p:extLst>
+      <p:ext uri="{BB962C8B-B14F-4D97-AF65-F5344CB8AC3E}">
+        <p14:creationId xmlns:p14="http://schemas.microsoft.com/office/powerpoint/2010/main" val="3593823991"/>
+      </p:ext>
+    </p:extLst>
+  </p:cSld>
+  <p:clrMapOvr>
+    <a:masterClrMapping/>
+  </p:clrMapOvr>
+</p:sld>
+</file>
+
+<file path=ppt/slides/slide34.xml><?xml version="1.0" encoding="utf-8"?>
+<p:sld xmlns:a="http://schemas.openxmlformats.org/drawingml/2006/main" xmlns:r="http://schemas.openxmlformats.org/officeDocument/2006/relationships" xmlns:p="http://schemas.openxmlformats.org/presentationml/2006/main">
+  <p:cSld>
+    <p:spTree>
+      <p:nvGrpSpPr>
+        <p:cNvPr id="1" name=""/>
+        <p:cNvGrpSpPr/>
+        <p:nvPr/>
+      </p:nvGrpSpPr>
+      <p:grpSpPr>
+        <a:xfrm>
+          <a:off x="0" y="0"/>
+          <a:ext cx="0" cy="0"/>
+          <a:chOff x="0" y="0"/>
+          <a:chExt cx="0" cy="0"/>
+        </a:xfrm>
+      </p:grpSpPr>
+      <p:sp>
+        <p:nvSpPr>
+          <p:cNvPr id="2" name="Title 1"/>
+          <p:cNvSpPr>
+            <a:spLocks noGrp="1"/>
+          </p:cNvSpPr>
+          <p:nvPr>
+            <p:ph type="title"/>
+          </p:nvPr>
+        </p:nvSpPr>
+        <p:spPr/>
+        <p:txBody>
+          <a:bodyPr/>
+          <a:lstStyle/>
+          <a:p>
+            <a:pPr algn="l"/>
+            <a:r>
+              <a:rPr lang="en-US" dirty="0" err="1"/>
+              <a:t>CTF</a:t>
+            </a:r>
+            <a:r>
+              <a:rPr lang="en-US" dirty="0"/>
+              <a:t> Basics</a:t>
+            </a:r>
+          </a:p>
+        </p:txBody>
+      </p:sp>
+      <p:sp>
+        <p:nvSpPr>
+          <p:cNvPr id="3" name="Content Placeholder 2"/>
+          <p:cNvSpPr>
+            <a:spLocks noGrp="1"/>
+          </p:cNvSpPr>
+          <p:nvPr>
+            <p:ph idx="1"/>
+          </p:nvPr>
+        </p:nvSpPr>
+        <p:spPr/>
+        <p:txBody>
+          <a:bodyPr>
+            <a:normAutofit/>
+          </a:bodyPr>
+          <a:lstStyle/>
+          <a:p>
+            <a:r>
+              <a:rPr lang="en-US" sz="2400" dirty="0"/>
+              <a:t>Attack and Defend Format (</a:t>
+            </a:r>
+            <a:r>
+              <a:rPr lang="en-US" sz="2400" dirty="0" err="1"/>
+              <a:t>DEFCON</a:t>
+            </a:r>
+            <a:r>
+              <a:rPr lang="en-US" sz="2400" dirty="0"/>
+              <a:t> </a:t>
+            </a:r>
+            <a:r>
+              <a:rPr lang="en-US" sz="2400" dirty="0" err="1"/>
+              <a:t>CTF</a:t>
+            </a:r>
+            <a:r>
+              <a:rPr lang="en-US" sz="2400" dirty="0"/>
+              <a:t>)</a:t>
+            </a:r>
+          </a:p>
+          <a:p>
+            <a:pPr lvl="1"/>
+            <a:r>
+              <a:rPr lang="en-US" sz="2000" dirty="0"/>
+              <a:t>Teams are given a machine (possibly multiple machines) that is running multiple services. </a:t>
+            </a:r>
+          </a:p>
+          <a:p>
+            <a:pPr lvl="2"/>
+            <a:r>
+              <a:rPr lang="en-US" sz="1800" dirty="0"/>
+              <a:t>Points are awarded to teams for keeping their services up (defense points).</a:t>
+            </a:r>
+          </a:p>
+          <a:p>
+            <a:pPr lvl="2"/>
+            <a:r>
+              <a:rPr lang="en-US" sz="1800" dirty="0"/>
+              <a:t>Points are also awarded for compromising another team’s services (attack points).</a:t>
+            </a:r>
+          </a:p>
+          <a:p>
+            <a:pPr lvl="1"/>
+            <a:r>
+              <a:rPr lang="en-US" sz="2000" dirty="0"/>
+              <a:t>Teams are given some amount of time to analyze their machine prior to the competition, discovering and patching vulnerabilities while developing your own exploits.</a:t>
+            </a:r>
+          </a:p>
+          <a:p>
+            <a:pPr lvl="1"/>
+            <a:r>
+              <a:rPr lang="en-US" sz="2000" dirty="0"/>
+              <a:t>When the competition starts, teams are connect to each other over an anonymous network and chaos ensues!</a:t>
+            </a:r>
+          </a:p>
+        </p:txBody>
+      </p:sp>
+    </p:spTree>
+    <p:extLst>
+      <p:ext uri="{BB962C8B-B14F-4D97-AF65-F5344CB8AC3E}">
+        <p14:creationId xmlns:p14="http://schemas.microsoft.com/office/powerpoint/2010/main" val="2537759812"/>
+      </p:ext>
+    </p:extLst>
+  </p:cSld>
+  <p:clrMapOvr>
+    <a:masterClrMapping/>
+  </p:clrMapOvr>
+</p:sld>
+</file>
+
+<file path=ppt/slides/slide35.xml><?xml version="1.0" encoding="utf-8"?>
+<p:sld xmlns:a="http://schemas.openxmlformats.org/drawingml/2006/main" xmlns:r="http://schemas.openxmlformats.org/officeDocument/2006/relationships" xmlns:p="http://schemas.openxmlformats.org/presentationml/2006/main">
+  <p:cSld>
+    <p:spTree>
+      <p:nvGrpSpPr>
+        <p:cNvPr id="1" name=""/>
+        <p:cNvGrpSpPr/>
+        <p:nvPr/>
+      </p:nvGrpSpPr>
+      <p:grpSpPr>
+        <a:xfrm>
+          <a:off x="0" y="0"/>
+          <a:ext cx="0" cy="0"/>
+          <a:chOff x="0" y="0"/>
+          <a:chExt cx="0" cy="0"/>
+        </a:xfrm>
+      </p:grpSpPr>
+      <p:sp>
+        <p:nvSpPr>
+          <p:cNvPr id="2" name="Title 1"/>
+          <p:cNvSpPr>
+            <a:spLocks noGrp="1"/>
+          </p:cNvSpPr>
+          <p:nvPr>
+            <p:ph type="title"/>
+          </p:nvPr>
+        </p:nvSpPr>
+        <p:spPr/>
+        <p:txBody>
+          <a:bodyPr/>
+          <a:lstStyle/>
+          <a:p>
+            <a:pPr algn="l"/>
+            <a:r>
+              <a:rPr lang="en-US" dirty="0" err="1"/>
+              <a:t>CTF</a:t>
+            </a:r>
+            <a:r>
+              <a:rPr lang="en-US" dirty="0"/>
+              <a:t> Basics</a:t>
+            </a:r>
+          </a:p>
+        </p:txBody>
+      </p:sp>
+      <p:pic>
+        <p:nvPicPr>
+          <p:cNvPr id="6" name="b7jW9X9UqiY"/>
+          <p:cNvPicPr>
+            <a:picLocks noGrp="1" noRot="1" noChangeAspect="1"/>
+          </p:cNvPicPr>
+          <p:nvPr>
+            <p:ph idx="1"/>
+            <a:videoFile r:link="rId1"/>
+          </p:nvPr>
+        </p:nvPicPr>
+        <p:blipFill>
+          <a:blip r:embed="rId3"/>
+          <a:stretch>
+            <a:fillRect/>
+          </a:stretch>
+        </p:blipFill>
+        <p:spPr>
+          <a:xfrm>
+            <a:off x="2086620" y="1412762"/>
+            <a:ext cx="8008111" cy="4504562"/>
+          </a:xfrm>
+          <a:prstGeom prst="rect">
+            <a:avLst/>
+          </a:prstGeom>
+        </p:spPr>
+      </p:pic>
+      <p:sp>
+        <p:nvSpPr>
+          <p:cNvPr id="7" name="TextBox 6"/>
+          <p:cNvSpPr txBox="1"/>
+          <p:nvPr/>
+        </p:nvSpPr>
+        <p:spPr>
+          <a:xfrm>
+            <a:off x="3426195" y="5990897"/>
+            <a:ext cx="5328959" cy="369332"/>
+          </a:xfrm>
+          <a:prstGeom prst="rect">
+            <a:avLst/>
+          </a:prstGeom>
+          <a:noFill/>
+        </p:spPr>
+        <p:txBody>
+          <a:bodyPr wrap="none" rtlCol="0">
+            <a:spAutoFit/>
+          </a:bodyPr>
+          <a:lstStyle/>
+          <a:p>
+            <a:r>
+              <a:rPr lang="en-US" dirty="0">
+                <a:hlinkClick r:id="rId4"/>
+              </a:rPr>
+              <a:t>https://www.youtube.com/watch?v=b7jW9X9UqiY</a:t>
+            </a:r>
+            <a:endParaRPr lang="en-US" dirty="0"/>
+          </a:p>
+        </p:txBody>
+      </p:sp>
+    </p:spTree>
+    <p:extLst>
+      <p:ext uri="{BB962C8B-B14F-4D97-AF65-F5344CB8AC3E}">
+        <p14:creationId xmlns:p14="http://schemas.microsoft.com/office/powerpoint/2010/main" val="1875473293"/>
+      </p:ext>
+    </p:extLst>
+  </p:cSld>
+  <p:clrMapOvr>
+    <a:masterClrMapping/>
+  </p:clrMapOvr>
+  <p:timing>
+    <p:tnLst>
+      <p:par>
+        <p:cTn id="1" dur="indefinite" restart="never" nodeType="tmRoot">
+          <p:childTnLst>
+            <p:seq concurrent="1" nextAc="seek">
+              <p:cTn id="2" restart="whenNotActive" fill="hold" evtFilter="cancelBubble" nodeType="interactiveSeq">
+                <p:stCondLst>
+                  <p:cond evt="onClick" delay="0">
+                    <p:tgtEl>
+                      <p:spTgt spid="6"/>
+                    </p:tgtEl>
+                  </p:cond>
+                </p:stCondLst>
+                <p:endSync evt="end" delay="0">
+                  <p:rtn val="all"/>
+                </p:endSync>
+                <p:childTnLst>
+                  <p:par>
+                    <p:cTn id="3" fill="hold">
+                      <p:stCondLst>
+                        <p:cond delay="0"/>
+                      </p:stCondLst>
+                      <p:childTnLst>
+                        <p:par>
+                          <p:cTn id="4" fill="hold">
+                            <p:stCondLst>
+                              <p:cond delay="0"/>
+                            </p:stCondLst>
+                            <p:childTnLst>
+                              <p:par>
+                                <p:cTn id="5" presetID="2" presetClass="mediacall" presetSubtype="0" fill="hold" nodeType="clickEffect">
+                                  <p:stCondLst>
+                                    <p:cond delay="0"/>
+                                  </p:stCondLst>
+                                  <p:childTnLst>
+                                    <p:cmd type="call" cmd="togglePause">
+                                      <p:cBhvr>
+                                        <p:cTn id="6" dur="1" fill="hold"/>
+                                        <p:tgtEl>
+                                          <p:spTgt spid="6"/>
+                                        </p:tgtEl>
+                                      </p:cBhvr>
+                                    </p:cmd>
+                                  </p:childTnLst>
+                                </p:cTn>
+                              </p:par>
+                            </p:childTnLst>
+                          </p:cTn>
+                        </p:par>
+                      </p:childTnLst>
+                    </p:cTn>
+                  </p:par>
+                </p:childTnLst>
+              </p:cTn>
+              <p:nextCondLst>
+                <p:cond evt="onClick" delay="0">
+                  <p:tgtEl>
+                    <p:spTgt spid="6"/>
+                  </p:tgtEl>
+                </p:cond>
+              </p:nextCondLst>
+            </p:seq>
+            <p:video>
+              <p:cMediaNode>
+                <p:cTn id="7" fill="hold" display="0">
+                  <p:stCondLst>
+                    <p:cond delay="indefinite"/>
+                  </p:stCondLst>
+                </p:cTn>
+                <p:tgtEl>
+                  <p:spTgt spid="6"/>
+                </p:tgtEl>
+              </p:cMediaNode>
+            </p:video>
+          </p:childTnLst>
+        </p:cTn>
+      </p:par>
+    </p:tnLst>
+  </p:timing>
+</p:sld>
+</file>
+
+<file path=ppt/slides/slide36.xml><?xml version="1.0" encoding="utf-8"?>
+<p:sld xmlns:a="http://schemas.openxmlformats.org/drawingml/2006/main" xmlns:r="http://schemas.openxmlformats.org/officeDocument/2006/relationships" xmlns:p="http://schemas.openxmlformats.org/presentationml/2006/main">
+  <p:cSld>
+    <p:spTree>
+      <p:nvGrpSpPr>
+        <p:cNvPr id="1" name=""/>
+        <p:cNvGrpSpPr/>
+        <p:nvPr/>
+      </p:nvGrpSpPr>
+      <p:grpSpPr>
+        <a:xfrm>
+          <a:off x="0" y="0"/>
+          <a:ext cx="0" cy="0"/>
+          <a:chOff x="0" y="0"/>
+          <a:chExt cx="0" cy="0"/>
+        </a:xfrm>
+      </p:grpSpPr>
+      <p:sp>
+        <p:nvSpPr>
+          <p:cNvPr id="2" name="Title 1"/>
+          <p:cNvSpPr>
+            <a:spLocks noGrp="1"/>
+          </p:cNvSpPr>
+          <p:nvPr>
+            <p:ph type="title"/>
+          </p:nvPr>
+        </p:nvSpPr>
+        <p:spPr/>
+        <p:txBody>
+          <a:bodyPr/>
+          <a:lstStyle/>
+          <a:p>
+            <a:pPr algn="l"/>
+            <a:r>
+              <a:rPr lang="en-US" dirty="0" err="1"/>
+              <a:t>CTF</a:t>
+            </a:r>
+            <a:r>
+              <a:rPr lang="en-US" dirty="0"/>
+              <a:t> Basics</a:t>
+            </a:r>
+          </a:p>
+        </p:txBody>
+      </p:sp>
+      <p:sp>
+        <p:nvSpPr>
+          <p:cNvPr id="3" name="Content Placeholder 2"/>
+          <p:cNvSpPr>
+            <a:spLocks noGrp="1"/>
+          </p:cNvSpPr>
+          <p:nvPr>
+            <p:ph idx="1"/>
+          </p:nvPr>
+        </p:nvSpPr>
+        <p:spPr/>
+        <p:txBody>
+          <a:bodyPr>
+            <a:normAutofit/>
+          </a:bodyPr>
+          <a:lstStyle/>
+          <a:p>
+            <a:r>
+              <a:rPr lang="en-US" sz="2800" dirty="0"/>
+              <a:t>Want to practice </a:t>
+            </a:r>
+            <a:r>
+              <a:rPr lang="en-US" sz="2800" dirty="0" err="1"/>
+              <a:t>CTF</a:t>
+            </a:r>
+            <a:r>
+              <a:rPr lang="en-US" sz="2800" dirty="0"/>
+              <a:t> challenges?</a:t>
+            </a:r>
+          </a:p>
+          <a:p>
+            <a:r>
+              <a:rPr lang="en-US" sz="2800" dirty="0"/>
+              <a:t>Join the SIG Security virtual lab!</a:t>
+            </a:r>
+          </a:p>
+          <a:p>
+            <a:pPr lvl="1"/>
+            <a:r>
+              <a:rPr lang="en-US" sz="2400" dirty="0" err="1"/>
+              <a:t>CTF</a:t>
+            </a:r>
+            <a:endParaRPr lang="en-US" sz="2400" dirty="0"/>
+          </a:p>
+          <a:p>
+            <a:pPr lvl="1"/>
+            <a:r>
+              <a:rPr lang="en-US" sz="2400" dirty="0"/>
+              <a:t>Penetration Testing</a:t>
+            </a:r>
+          </a:p>
+          <a:p>
+            <a:pPr lvl="1"/>
+            <a:r>
+              <a:rPr lang="en-US" sz="2400" dirty="0"/>
+              <a:t>Other evil activities</a:t>
+            </a:r>
+          </a:p>
+        </p:txBody>
+      </p:sp>
+    </p:spTree>
+    <p:extLst>
+      <p:ext uri="{BB962C8B-B14F-4D97-AF65-F5344CB8AC3E}">
+        <p14:creationId xmlns:p14="http://schemas.microsoft.com/office/powerpoint/2010/main" val="1171784578"/>
+      </p:ext>
+    </p:extLst>
+  </p:cSld>
+  <p:clrMapOvr>
+    <a:masterClrMapping/>
+  </p:clrMapOvr>
+</p:sld>
+</file>
+
+<file path=ppt/slides/slide37.xml><?xml version="1.0" encoding="utf-8"?>
+<p:sld xmlns:a="http://schemas.openxmlformats.org/drawingml/2006/main" xmlns:r="http://schemas.openxmlformats.org/officeDocument/2006/relationships" xmlns:p="http://schemas.openxmlformats.org/presentationml/2006/main">
+  <p:cSld>
+    <p:spTree>
+      <p:nvGrpSpPr>
+        <p:cNvPr id="1" name=""/>
+        <p:cNvGrpSpPr/>
+        <p:nvPr/>
+      </p:nvGrpSpPr>
+      <p:grpSpPr>
+        <a:xfrm>
+          <a:off x="0" y="0"/>
+          <a:ext cx="0" cy="0"/>
+          <a:chOff x="0" y="0"/>
+          <a:chExt cx="0" cy="0"/>
+        </a:xfrm>
+      </p:grpSpPr>
+      <p:sp>
+        <p:nvSpPr>
+          <p:cNvPr id="2" name="Title 1"/>
+          <p:cNvSpPr>
+            <a:spLocks noGrp="1"/>
+          </p:cNvSpPr>
+          <p:nvPr>
+            <p:ph type="title"/>
+          </p:nvPr>
+        </p:nvSpPr>
+        <p:spPr/>
+        <p:txBody>
+          <a:bodyPr/>
+          <a:lstStyle/>
+          <a:p>
+            <a:pPr algn="l"/>
+            <a:r>
+              <a:rPr lang="en-US" dirty="0" err="1"/>
+              <a:t>CTF</a:t>
+            </a:r>
+            <a:r>
+              <a:rPr lang="en-US" dirty="0"/>
+              <a:t> Basics</a:t>
+            </a:r>
+          </a:p>
+        </p:txBody>
+      </p:sp>
+      <p:sp>
+        <p:nvSpPr>
+          <p:cNvPr id="3" name="Content Placeholder 2"/>
+          <p:cNvSpPr>
+            <a:spLocks noGrp="1"/>
+          </p:cNvSpPr>
+          <p:nvPr>
+            <p:ph idx="1"/>
+          </p:nvPr>
+        </p:nvSpPr>
+        <p:spPr/>
+        <p:txBody>
+          <a:bodyPr/>
+          <a:lstStyle/>
+          <a:p>
+            <a:r>
+              <a:rPr lang="en-US" dirty="0"/>
+              <a:t>2 ways to connect:</a:t>
+            </a:r>
+          </a:p>
+          <a:p>
+            <a:pPr lvl="1"/>
+            <a:r>
+              <a:rPr lang="en-US" dirty="0" err="1"/>
+              <a:t>OpenVPN</a:t>
+            </a:r>
+            <a:r>
+              <a:rPr lang="en-US" dirty="0"/>
+              <a:t> – currently not available </a:t>
+            </a:r>
+            <a:r>
+              <a:rPr lang="en-US" dirty="0">
+                <a:sym typeface="Wingdings" panose="05000000000000000000" pitchFamily="2" charset="2"/>
+              </a:rPr>
+              <a:t></a:t>
+            </a:r>
+          </a:p>
+          <a:p>
+            <a:pPr lvl="2"/>
+            <a:r>
+              <a:rPr lang="en-US" dirty="0">
+                <a:sym typeface="Wingdings" panose="05000000000000000000" pitchFamily="2" charset="2"/>
+              </a:rPr>
+              <a:t>working with Chase to assign a public IP address to my </a:t>
+            </a:r>
+            <a:r>
+              <a:rPr lang="en-US" dirty="0" err="1">
+                <a:sym typeface="Wingdings" panose="05000000000000000000" pitchFamily="2" charset="2"/>
+              </a:rPr>
+              <a:t>VM</a:t>
+            </a:r>
+            <a:endParaRPr lang="en-US" dirty="0">
+              <a:sym typeface="Wingdings" panose="05000000000000000000" pitchFamily="2" charset="2"/>
+            </a:endParaRPr>
+          </a:p>
+          <a:p>
+            <a:pPr lvl="2"/>
+            <a:r>
+              <a:rPr lang="en-US" dirty="0">
+                <a:sym typeface="Wingdings" panose="05000000000000000000" pitchFamily="2" charset="2"/>
+              </a:rPr>
+              <a:t>hopefully will have it up by next week!</a:t>
+            </a:r>
+            <a:br>
+              <a:rPr lang="en-US" dirty="0">
+                <a:sym typeface="Wingdings" panose="05000000000000000000" pitchFamily="2" charset="2"/>
+              </a:rPr>
+            </a:br>
+            <a:endParaRPr lang="en-US" dirty="0">
+              <a:sym typeface="Wingdings" panose="05000000000000000000" pitchFamily="2" charset="2"/>
+            </a:endParaRPr>
+          </a:p>
+          <a:p>
+            <a:pPr lvl="1"/>
+            <a:r>
+              <a:rPr lang="en-US" dirty="0" err="1">
+                <a:sym typeface="Wingdings" panose="05000000000000000000" pitchFamily="2" charset="2"/>
+              </a:rPr>
+              <a:t>WiFi</a:t>
+            </a:r>
+            <a:endParaRPr lang="en-US" dirty="0">
+              <a:sym typeface="Wingdings" panose="05000000000000000000" pitchFamily="2" charset="2"/>
+            </a:endParaRPr>
+          </a:p>
+          <a:p>
+            <a:pPr lvl="2"/>
+            <a:r>
+              <a:rPr lang="en-US" dirty="0">
+                <a:sym typeface="Wingdings" panose="05000000000000000000" pitchFamily="2" charset="2"/>
+              </a:rPr>
+              <a:t>Only available from the ACM, </a:t>
+            </a:r>
+            <a:r>
+              <a:rPr lang="en-US" dirty="0" err="1">
+                <a:sym typeface="Wingdings" panose="05000000000000000000" pitchFamily="2" charset="2"/>
+              </a:rPr>
+              <a:t>WiCS</a:t>
+            </a:r>
+            <a:r>
+              <a:rPr lang="en-US" dirty="0">
+                <a:sym typeface="Wingdings" panose="05000000000000000000" pitchFamily="2" charset="2"/>
+              </a:rPr>
+              <a:t> and CS lounge.</a:t>
+            </a:r>
+          </a:p>
+          <a:p>
+            <a:pPr lvl="3"/>
+            <a:r>
+              <a:rPr lang="en-US" dirty="0" err="1">
+                <a:sym typeface="Wingdings" panose="05000000000000000000" pitchFamily="2" charset="2"/>
+              </a:rPr>
+              <a:t>ssid</a:t>
+            </a:r>
+            <a:r>
+              <a:rPr lang="en-US" dirty="0">
+                <a:sym typeface="Wingdings" panose="05000000000000000000" pitchFamily="2" charset="2"/>
+              </a:rPr>
+              <a:t>: SIG Security</a:t>
+            </a:r>
+          </a:p>
+          <a:p>
+            <a:pPr lvl="3"/>
+            <a:r>
+              <a:rPr lang="en-US" dirty="0">
+                <a:sym typeface="Wingdings" panose="05000000000000000000" pitchFamily="2" charset="2"/>
+              </a:rPr>
+              <a:t>password: </a:t>
+            </a:r>
+            <a:r>
+              <a:rPr lang="en-US" dirty="0" err="1">
+                <a:sym typeface="Wingdings" panose="05000000000000000000" pitchFamily="2" charset="2"/>
+              </a:rPr>
+              <a:t>SIGSecurity2016@UIC</a:t>
+            </a:r>
+            <a:endParaRPr lang="en-US" dirty="0">
+              <a:sym typeface="Wingdings" panose="05000000000000000000" pitchFamily="2" charset="2"/>
+            </a:endParaRPr>
+          </a:p>
+          <a:p>
+            <a:pPr lvl="2"/>
+            <a:endParaRPr lang="en-US" dirty="0"/>
+          </a:p>
+        </p:txBody>
+      </p:sp>
+    </p:spTree>
+    <p:extLst>
+      <p:ext uri="{BB962C8B-B14F-4D97-AF65-F5344CB8AC3E}">
+        <p14:creationId xmlns:p14="http://schemas.microsoft.com/office/powerpoint/2010/main" val="2707061156"/>
+      </p:ext>
+    </p:extLst>
+  </p:cSld>
+  <p:clrMapOvr>
+    <a:masterClrMapping/>
+  </p:clrMapOvr>
+</p:sld>
+</file>
+
+<file path=ppt/slides/slide38.xml><?xml version="1.0" encoding="utf-8"?>
+<p:sld xmlns:a="http://schemas.openxmlformats.org/drawingml/2006/main" xmlns:r="http://schemas.openxmlformats.org/officeDocument/2006/relationships" xmlns:p="http://schemas.openxmlformats.org/presentationml/2006/main">
+  <p:cSld>
+    <p:spTree>
+      <p:nvGrpSpPr>
+        <p:cNvPr id="1" name=""/>
+        <p:cNvGrpSpPr/>
+        <p:nvPr/>
+      </p:nvGrpSpPr>
+      <p:grpSpPr>
+        <a:xfrm>
+          <a:off x="0" y="0"/>
+          <a:ext cx="0" cy="0"/>
+          <a:chOff x="0" y="0"/>
+          <a:chExt cx="0" cy="0"/>
+        </a:xfrm>
+      </p:grpSpPr>
+      <p:sp>
+        <p:nvSpPr>
+          <p:cNvPr id="2" name="Title 1"/>
+          <p:cNvSpPr>
+            <a:spLocks noGrp="1"/>
+          </p:cNvSpPr>
+          <p:nvPr>
+            <p:ph type="title"/>
+          </p:nvPr>
+        </p:nvSpPr>
+        <p:spPr/>
+        <p:txBody>
+          <a:bodyPr/>
+          <a:lstStyle/>
+          <a:p>
+            <a:pPr algn="l"/>
+            <a:r>
+              <a:rPr lang="en-US" dirty="0" err="1"/>
+              <a:t>CTF</a:t>
+            </a:r>
+            <a:r>
+              <a:rPr lang="en-US" dirty="0"/>
+              <a:t> Basics</a:t>
+            </a:r>
+          </a:p>
+        </p:txBody>
+      </p:sp>
+      <p:sp>
+        <p:nvSpPr>
+          <p:cNvPr id="3" name="Content Placeholder 2"/>
+          <p:cNvSpPr>
+            <a:spLocks noGrp="1"/>
+          </p:cNvSpPr>
+          <p:nvPr>
+            <p:ph idx="1"/>
+          </p:nvPr>
+        </p:nvSpPr>
+        <p:spPr/>
+        <p:txBody>
+          <a:bodyPr>
+            <a:noAutofit/>
+          </a:bodyPr>
+          <a:lstStyle/>
+          <a:p>
+            <a:r>
+              <a:rPr lang="en-US" sz="2400" dirty="0"/>
+              <a:t>192.168.0.10-19</a:t>
+            </a:r>
+          </a:p>
+          <a:p>
+            <a:pPr lvl="1"/>
+            <a:r>
+              <a:rPr lang="en-US" sz="2000" dirty="0"/>
+              <a:t>Administrative Virtual Machines</a:t>
+            </a:r>
+          </a:p>
+          <a:p>
+            <a:pPr lvl="2"/>
+            <a:r>
+              <a:rPr lang="en-US" sz="1800" dirty="0" err="1"/>
+              <a:t>OpenVPN</a:t>
+            </a:r>
+            <a:r>
+              <a:rPr lang="en-US" sz="1800" dirty="0"/>
+              <a:t> and Web servers!</a:t>
+            </a:r>
+          </a:p>
+          <a:p>
+            <a:pPr lvl="2"/>
+            <a:r>
+              <a:rPr lang="en-US" sz="1800" dirty="0"/>
+              <a:t>Should be resilient to attack, but please don’t DOS </a:t>
+            </a:r>
+            <a:r>
+              <a:rPr lang="en-US" sz="1800" dirty="0">
+                <a:sym typeface="Wingdings" panose="05000000000000000000" pitchFamily="2" charset="2"/>
+              </a:rPr>
+              <a:t></a:t>
+            </a:r>
+            <a:br>
+              <a:rPr lang="en-US" sz="1800" dirty="0">
+                <a:sym typeface="Wingdings" panose="05000000000000000000" pitchFamily="2" charset="2"/>
+              </a:rPr>
+            </a:br>
+            <a:endParaRPr lang="en-US" sz="1800" dirty="0">
+              <a:sym typeface="Wingdings" panose="05000000000000000000" pitchFamily="2" charset="2"/>
+            </a:endParaRPr>
+          </a:p>
+          <a:p>
+            <a:r>
+              <a:rPr lang="en-US" sz="2400" dirty="0">
+                <a:sym typeface="Wingdings" panose="05000000000000000000" pitchFamily="2" charset="2"/>
+              </a:rPr>
+              <a:t>192.168.0.20-99</a:t>
+            </a:r>
+          </a:p>
+          <a:p>
+            <a:pPr lvl="1"/>
+            <a:r>
+              <a:rPr lang="en-US" sz="2000" dirty="0">
+                <a:sym typeface="Wingdings" panose="05000000000000000000" pitchFamily="2" charset="2"/>
+              </a:rPr>
+              <a:t>Challenge Virtual Machines</a:t>
+            </a:r>
+          </a:p>
+          <a:p>
+            <a:pPr lvl="2"/>
+            <a:r>
+              <a:rPr lang="en-US" sz="1800" dirty="0">
+                <a:sym typeface="Wingdings" panose="05000000000000000000" pitchFamily="2" charset="2"/>
+              </a:rPr>
+              <a:t>Feel free to attack as you please!</a:t>
+            </a:r>
+          </a:p>
+          <a:p>
+            <a:pPr lvl="2"/>
+            <a:r>
+              <a:rPr lang="en-US" sz="1800" dirty="0">
+                <a:sym typeface="Wingdings" panose="05000000000000000000" pitchFamily="2" charset="2"/>
+              </a:rPr>
+              <a:t>Try not to ruin them for others</a:t>
+            </a:r>
+          </a:p>
+          <a:p>
+            <a:pPr lvl="2"/>
+            <a:r>
+              <a:rPr lang="en-US" sz="1800" dirty="0">
+                <a:sym typeface="Wingdings" panose="05000000000000000000" pitchFamily="2" charset="2"/>
+              </a:rPr>
+              <a:t>If something breaks, please let me know so I can reset/revert them.</a:t>
+            </a:r>
+          </a:p>
+        </p:txBody>
+      </p:sp>
+    </p:spTree>
+    <p:extLst>
+      <p:ext uri="{BB962C8B-B14F-4D97-AF65-F5344CB8AC3E}">
+        <p14:creationId xmlns:p14="http://schemas.microsoft.com/office/powerpoint/2010/main" val="3410642938"/>
+      </p:ext>
+    </p:extLst>
+  </p:cSld>
+  <p:clrMapOvr>
+    <a:masterClrMapping/>
+  </p:clrMapOvr>
+</p:sld>
+</file>
+
+<file path=ppt/slides/slide39.xml><?xml version="1.0" encoding="utf-8"?>
+<p:sld xmlns:a="http://schemas.openxmlformats.org/drawingml/2006/main" xmlns:r="http://schemas.openxmlformats.org/officeDocument/2006/relationships" xmlns:p="http://schemas.openxmlformats.org/presentationml/2006/main">
+  <p:cSld>
+    <p:spTree>
+      <p:nvGrpSpPr>
+        <p:cNvPr id="1" name=""/>
+        <p:cNvGrpSpPr/>
+        <p:nvPr/>
+      </p:nvGrpSpPr>
+      <p:grpSpPr>
+        <a:xfrm>
+          <a:off x="0" y="0"/>
+          <a:ext cx="0" cy="0"/>
+          <a:chOff x="0" y="0"/>
+          <a:chExt cx="0" cy="0"/>
+        </a:xfrm>
+      </p:grpSpPr>
+      <p:sp>
+        <p:nvSpPr>
+          <p:cNvPr id="2" name="Title 1"/>
+          <p:cNvSpPr>
+            <a:spLocks noGrp="1"/>
+          </p:cNvSpPr>
+          <p:nvPr>
+            <p:ph type="title"/>
+          </p:nvPr>
+        </p:nvSpPr>
+        <p:spPr/>
+        <p:txBody>
+          <a:bodyPr/>
+          <a:lstStyle/>
+          <a:p>
+            <a:pPr algn="l"/>
+            <a:r>
+              <a:rPr lang="en-US" dirty="0" err="1"/>
+              <a:t>CTF</a:t>
+            </a:r>
+            <a:r>
+              <a:rPr lang="en-US" dirty="0"/>
+              <a:t> Basics</a:t>
+            </a:r>
+          </a:p>
+        </p:txBody>
+      </p:sp>
+      <p:sp>
+        <p:nvSpPr>
+          <p:cNvPr id="3" name="Content Placeholder 2"/>
+          <p:cNvSpPr>
+            <a:spLocks noGrp="1"/>
+          </p:cNvSpPr>
+          <p:nvPr>
+            <p:ph idx="1"/>
+          </p:nvPr>
+        </p:nvSpPr>
+        <p:spPr/>
+        <p:txBody>
+          <a:bodyPr>
+            <a:normAutofit/>
+          </a:bodyPr>
+          <a:lstStyle/>
+          <a:p>
+            <a:r>
+              <a:rPr lang="en-US" sz="2400" dirty="0">
+                <a:sym typeface="Wingdings" panose="05000000000000000000" pitchFamily="2" charset="2"/>
+              </a:rPr>
+              <a:t>192.168.0.100-200</a:t>
+            </a:r>
+          </a:p>
+          <a:p>
+            <a:pPr lvl="1"/>
+            <a:r>
+              <a:rPr lang="en-US" sz="2000" dirty="0">
+                <a:sym typeface="Wingdings" panose="05000000000000000000" pitchFamily="2" charset="2"/>
+              </a:rPr>
+              <a:t>Users connected via </a:t>
+            </a:r>
+            <a:r>
+              <a:rPr lang="en-US" sz="2000" dirty="0" err="1">
+                <a:sym typeface="Wingdings" panose="05000000000000000000" pitchFamily="2" charset="2"/>
+              </a:rPr>
+              <a:t>WiFi</a:t>
+            </a:r>
+            <a:endParaRPr lang="en-US" sz="2000" dirty="0">
+              <a:sym typeface="Wingdings" panose="05000000000000000000" pitchFamily="2" charset="2"/>
+            </a:endParaRPr>
+          </a:p>
+          <a:p>
+            <a:pPr lvl="2"/>
+            <a:r>
+              <a:rPr lang="en-US" sz="1800" dirty="0">
+                <a:sym typeface="Wingdings" panose="05000000000000000000" pitchFamily="2" charset="2"/>
+              </a:rPr>
+              <a:t>DO NOT ATTACK</a:t>
+            </a:r>
+            <a:br>
+              <a:rPr lang="en-US" sz="1800" dirty="0">
+                <a:sym typeface="Wingdings" panose="05000000000000000000" pitchFamily="2" charset="2"/>
+              </a:rPr>
+            </a:br>
+            <a:endParaRPr lang="en-US" sz="1800" dirty="0">
+              <a:sym typeface="Wingdings" panose="05000000000000000000" pitchFamily="2" charset="2"/>
+            </a:endParaRPr>
+          </a:p>
+          <a:p>
+            <a:r>
+              <a:rPr lang="en-US" sz="2400" dirty="0">
+                <a:sym typeface="Wingdings" panose="05000000000000000000" pitchFamily="2" charset="2"/>
+              </a:rPr>
+              <a:t>192.168.1.100-200</a:t>
+            </a:r>
+          </a:p>
+          <a:p>
+            <a:pPr lvl="1"/>
+            <a:r>
+              <a:rPr lang="en-US" dirty="0">
+                <a:sym typeface="Wingdings" panose="05000000000000000000" pitchFamily="2" charset="2"/>
+              </a:rPr>
+              <a:t>Users connected via </a:t>
+            </a:r>
+            <a:r>
+              <a:rPr lang="en-US" dirty="0" err="1">
+                <a:sym typeface="Wingdings" panose="05000000000000000000" pitchFamily="2" charset="2"/>
+              </a:rPr>
+              <a:t>OpenVPN</a:t>
+            </a:r>
+            <a:endParaRPr lang="en-US" dirty="0">
+              <a:sym typeface="Wingdings" panose="05000000000000000000" pitchFamily="2" charset="2"/>
+            </a:endParaRPr>
+          </a:p>
+          <a:p>
+            <a:pPr lvl="2"/>
+            <a:r>
+              <a:rPr lang="en-US" sz="1800" dirty="0">
+                <a:sym typeface="Wingdings" panose="05000000000000000000" pitchFamily="2" charset="2"/>
+              </a:rPr>
+              <a:t>DO NOT ATTACK</a:t>
+            </a:r>
+          </a:p>
+        </p:txBody>
+      </p:sp>
+    </p:spTree>
+    <p:extLst>
+      <p:ext uri="{BB962C8B-B14F-4D97-AF65-F5344CB8AC3E}">
+        <p14:creationId xmlns:p14="http://schemas.microsoft.com/office/powerpoint/2010/main" val="1612636011"/>
       </p:ext>
     </p:extLst>
   </p:cSld>
@@ -9314,6 +10608,270 @@
     <p:extLst>
       <p:ext uri="{BB962C8B-B14F-4D97-AF65-F5344CB8AC3E}">
         <p14:creationId xmlns:p14="http://schemas.microsoft.com/office/powerpoint/2010/main" val="1738647734"/>
+      </p:ext>
+    </p:extLst>
+  </p:cSld>
+  <p:clrMapOvr>
+    <a:masterClrMapping/>
+  </p:clrMapOvr>
+</p:sld>
+</file>
+
+<file path=ppt/slides/slide40.xml><?xml version="1.0" encoding="utf-8"?>
+<p:sld xmlns:a="http://schemas.openxmlformats.org/drawingml/2006/main" xmlns:r="http://schemas.openxmlformats.org/officeDocument/2006/relationships" xmlns:p="http://schemas.openxmlformats.org/presentationml/2006/main">
+  <p:cSld>
+    <p:spTree>
+      <p:nvGrpSpPr>
+        <p:cNvPr id="1" name=""/>
+        <p:cNvGrpSpPr/>
+        <p:nvPr/>
+      </p:nvGrpSpPr>
+      <p:grpSpPr>
+        <a:xfrm>
+          <a:off x="0" y="0"/>
+          <a:ext cx="0" cy="0"/>
+          <a:chOff x="0" y="0"/>
+          <a:chExt cx="0" cy="0"/>
+        </a:xfrm>
+      </p:grpSpPr>
+      <p:sp>
+        <p:nvSpPr>
+          <p:cNvPr id="2" name="Title 1"/>
+          <p:cNvSpPr>
+            <a:spLocks noGrp="1"/>
+          </p:cNvSpPr>
+          <p:nvPr>
+            <p:ph type="title"/>
+          </p:nvPr>
+        </p:nvSpPr>
+        <p:spPr/>
+        <p:txBody>
+          <a:bodyPr/>
+          <a:lstStyle/>
+          <a:p>
+            <a:pPr algn="l"/>
+            <a:r>
+              <a:rPr lang="en-US" dirty="0"/>
+              <a:t>Ethics</a:t>
+            </a:r>
+          </a:p>
+        </p:txBody>
+      </p:sp>
+      <p:sp>
+        <p:nvSpPr>
+          <p:cNvPr id="3" name="Content Placeholder 2"/>
+          <p:cNvSpPr>
+            <a:spLocks noGrp="1"/>
+          </p:cNvSpPr>
+          <p:nvPr>
+            <p:ph idx="1"/>
+          </p:nvPr>
+        </p:nvSpPr>
+        <p:spPr/>
+        <p:txBody>
+          <a:bodyPr/>
+          <a:lstStyle/>
+          <a:p>
+            <a:r>
+              <a:rPr lang="en-US" dirty="0"/>
+              <a:t>You will learn things that are VERY ILLEGAL to perform on networks where you do not have the express permission of the administrator!</a:t>
+            </a:r>
+          </a:p>
+          <a:p>
+            <a:pPr lvl="1"/>
+            <a:r>
+              <a:rPr lang="en-US" dirty="0"/>
+              <a:t>Always double-check where you’re sending your packets! Ignorance is not a valid defense!</a:t>
+            </a:r>
+          </a:p>
+          <a:p>
+            <a:r>
+              <a:rPr lang="en-US" dirty="0"/>
+              <a:t>DO NOT BE ONE OF THOSE PEOPLE!</a:t>
+            </a:r>
+          </a:p>
+          <a:p>
+            <a:pPr lvl="1"/>
+            <a:r>
+              <a:rPr lang="en-US" dirty="0"/>
+              <a:t>Hacking your neighbor’s </a:t>
+            </a:r>
+            <a:r>
+              <a:rPr lang="en-US" dirty="0" err="1"/>
+              <a:t>WiFi</a:t>
+            </a:r>
+            <a:r>
+              <a:rPr lang="en-US" dirty="0"/>
+              <a:t> is NOT okay and very stupid!</a:t>
+            </a:r>
+          </a:p>
+          <a:p>
+            <a:r>
+              <a:rPr lang="en-US" dirty="0"/>
+              <a:t>Always obtain written consent when possible</a:t>
+            </a:r>
+          </a:p>
+          <a:p>
+            <a:r>
+              <a:rPr lang="en-US" dirty="0"/>
+              <a:t>You have my permission to scan/attack/compromise the challenge </a:t>
+            </a:r>
+            <a:r>
+              <a:rPr lang="en-US" dirty="0" err="1"/>
+              <a:t>VM’s</a:t>
+            </a:r>
+            <a:r>
+              <a:rPr lang="en-US" dirty="0"/>
+              <a:t> in the virtual lab.</a:t>
+            </a:r>
+          </a:p>
+          <a:p>
+            <a:r>
+              <a:rPr lang="en-US" dirty="0"/>
+              <a:t>You can download any of those machines and run them locally</a:t>
+            </a:r>
+          </a:p>
+          <a:p>
+            <a:pPr lvl="1"/>
+            <a:r>
+              <a:rPr lang="en-US" dirty="0"/>
+              <a:t>If you have any questions or need any help feel free to ask!</a:t>
+            </a:r>
+          </a:p>
+        </p:txBody>
+      </p:sp>
+    </p:spTree>
+    <p:extLst>
+      <p:ext uri="{BB962C8B-B14F-4D97-AF65-F5344CB8AC3E}">
+        <p14:creationId xmlns:p14="http://schemas.microsoft.com/office/powerpoint/2010/main" val="3294451711"/>
+      </p:ext>
+    </p:extLst>
+  </p:cSld>
+  <p:clrMapOvr>
+    <a:masterClrMapping/>
+  </p:clrMapOvr>
+</p:sld>
+</file>
+
+<file path=ppt/slides/slide41.xml><?xml version="1.0" encoding="utf-8"?>
+<p:sld xmlns:a="http://schemas.openxmlformats.org/drawingml/2006/main" xmlns:r="http://schemas.openxmlformats.org/officeDocument/2006/relationships" xmlns:p="http://schemas.openxmlformats.org/presentationml/2006/main">
+  <p:cSld>
+    <p:spTree>
+      <p:nvGrpSpPr>
+        <p:cNvPr id="1" name=""/>
+        <p:cNvGrpSpPr/>
+        <p:nvPr/>
+      </p:nvGrpSpPr>
+      <p:grpSpPr>
+        <a:xfrm>
+          <a:off x="0" y="0"/>
+          <a:ext cx="0" cy="0"/>
+          <a:chOff x="0" y="0"/>
+          <a:chExt cx="0" cy="0"/>
+        </a:xfrm>
+      </p:grpSpPr>
+      <p:sp>
+        <p:nvSpPr>
+          <p:cNvPr id="2" name="Title 1"/>
+          <p:cNvSpPr>
+            <a:spLocks noGrp="1"/>
+          </p:cNvSpPr>
+          <p:nvPr>
+            <p:ph type="title"/>
+          </p:nvPr>
+        </p:nvSpPr>
+        <p:spPr/>
+        <p:txBody>
+          <a:bodyPr/>
+          <a:lstStyle/>
+          <a:p>
+            <a:pPr algn="l"/>
+            <a:r>
+              <a:rPr lang="en-US" dirty="0" err="1"/>
+              <a:t>CTF</a:t>
+            </a:r>
+            <a:r>
+              <a:rPr lang="en-US" dirty="0"/>
+              <a:t> Basics</a:t>
+            </a:r>
+          </a:p>
+        </p:txBody>
+      </p:sp>
+      <p:sp>
+        <p:nvSpPr>
+          <p:cNvPr id="3" name="Content Placeholder 2"/>
+          <p:cNvSpPr>
+            <a:spLocks noGrp="1"/>
+          </p:cNvSpPr>
+          <p:nvPr>
+            <p:ph idx="1"/>
+          </p:nvPr>
+        </p:nvSpPr>
+        <p:spPr/>
+        <p:txBody>
+          <a:bodyPr>
+            <a:normAutofit/>
+          </a:bodyPr>
+          <a:lstStyle/>
+          <a:p>
+            <a:r>
+              <a:rPr lang="en-US" sz="2800" dirty="0"/>
+              <a:t>Ready to </a:t>
+            </a:r>
+            <a:r>
+              <a:rPr lang="en-US" sz="2800" dirty="0" err="1"/>
+              <a:t>pwn</a:t>
+            </a:r>
+            <a:r>
+              <a:rPr lang="en-US" sz="2800" dirty="0"/>
+              <a:t> our first box? </a:t>
+            </a:r>
+            <a:r>
+              <a:rPr lang="en-US" sz="2800" dirty="0">
+                <a:sym typeface="Wingdings" panose="05000000000000000000" pitchFamily="2" charset="2"/>
+              </a:rPr>
+              <a:t></a:t>
+            </a:r>
+            <a:endParaRPr lang="en-US" sz="2800" dirty="0"/>
+          </a:p>
+        </p:txBody>
+      </p:sp>
+      <p:pic>
+        <p:nvPicPr>
+          <p:cNvPr id="4" name="Picture 2" descr="Image result for kali linux logo png"/>
+          <p:cNvPicPr>
+            <a:picLocks noChangeAspect="1" noChangeArrowheads="1"/>
+          </p:cNvPicPr>
+          <p:nvPr/>
+        </p:nvPicPr>
+        <p:blipFill>
+          <a:blip r:embed="rId2">
+            <a:extLst>
+              <a:ext uri="{28A0092B-C50C-407E-A947-70E740481C1C}">
+                <a14:useLocalDpi xmlns:a14="http://schemas.microsoft.com/office/drawing/2010/main" val="0"/>
+              </a:ext>
+            </a:extLst>
+          </a:blip>
+          <a:srcRect/>
+          <a:stretch>
+            <a:fillRect/>
+          </a:stretch>
+        </p:blipFill>
+        <p:spPr bwMode="auto">
+          <a:xfrm>
+            <a:off x="4347272" y="2304393"/>
+            <a:ext cx="3486807" cy="3486807"/>
+          </a:xfrm>
+          <a:prstGeom prst="rect">
+            <a:avLst/>
+          </a:prstGeom>
+          <a:noFill/>
+        </p:spPr>
+      </p:pic>
+    </p:spTree>
+    <p:extLst>
+      <p:ext uri="{BB962C8B-B14F-4D97-AF65-F5344CB8AC3E}">
+        <p14:creationId xmlns:p14="http://schemas.microsoft.com/office/powerpoint/2010/main" val="1632290957"/>
       </p:ext>
     </p:extLst>
   </p:cSld>
@@ -9457,8 +11015,8 @@
           </a:p>
         </p:txBody>
       </p:sp>
-      <mc:AlternateContent xmlns:mc="http://schemas.openxmlformats.org/markup-compatibility/2006">
-        <mc:Choice xmlns:a14="http://schemas.microsoft.com/office/drawing/2010/main" Requires="a14">
+      <mc:AlternateContent xmlns:mc="http://schemas.openxmlformats.org/markup-compatibility/2006" xmlns:a14="http://schemas.microsoft.com/office/drawing/2010/main">
+        <mc:Choice Requires="a14">
           <p:sp>
             <p:nvSpPr>
               <p:cNvPr id="3" name="Content Placeholder 2"/>
@@ -9680,7 +11238,7 @@
             </p:txBody>
           </p:sp>
         </mc:Choice>
-        <mc:Fallback>
+        <mc:Fallback xmlns="">
           <p:sp>
             <p:nvSpPr>
               <p:cNvPr id="3" name="Content Placeholder 2"/>
